--- a/img/logo.pptx
+++ b/img/logo.pptx
@@ -3362,6 +3362,9 @@
           <a:prstGeom prst="rect">
             <a:avLst/>
           </a:prstGeom>
+          <a:solidFill>
+            <a:srgbClr val="212121"/>
+          </a:solidFill>
         </p:spPr>
         <p:style>
           <a:lnRef idx="2">
